--- a/Pritam Maharana PPT.pptx
+++ b/Pritam Maharana PPT.pptx
@@ -6568,8 +6568,75 @@
           <a:lstStyle/>
           <a:p>
             <a:r>
+              <a:rPr lang="en-US" dirty="0"/>
+              <a:t>need to run python </a:t>
+            </a:r>
+            <a:r>
               <a:rPr lang="en-US" dirty="0" smtClean="0"/>
-              <a:t>Make sure that there should be readme file</a:t>
+              <a:t>3</a:t>
+            </a:r>
+          </a:p>
+          <a:p>
+            <a:r>
+              <a:rPr lang="en-US" dirty="0" smtClean="0"/>
+              <a:t>encrypt </a:t>
+            </a:r>
+            <a:r>
+              <a:rPr lang="en-US" dirty="0" err="1"/>
+              <a:t>py</a:t>
+            </a:r>
+            <a:r>
+              <a:rPr lang="en-US" dirty="0"/>
+              <a:t> and decrypt </a:t>
+            </a:r>
+            <a:r>
+              <a:rPr lang="en-US" dirty="0" err="1"/>
+              <a:t>py</a:t>
+            </a:r>
+            <a:r>
+              <a:rPr lang="en-US" dirty="0"/>
+              <a:t> </a:t>
+            </a:r>
+            <a:r>
+              <a:rPr lang="en-US" dirty="0" smtClean="0"/>
+              <a:t>need </a:t>
+            </a:r>
+            <a:r>
+              <a:rPr lang="en-US" dirty="0"/>
+              <a:t>cv2 </a:t>
+            </a:r>
+            <a:r>
+              <a:rPr lang="en-US" dirty="0" smtClean="0"/>
+              <a:t>library</a:t>
+            </a:r>
+          </a:p>
+          <a:p>
+            <a:r>
+              <a:rPr lang="en-US" dirty="0" smtClean="0"/>
+              <a:t>s</a:t>
+            </a:r>
+            <a:r>
+              <a:rPr lang="en-US" dirty="0" smtClean="0"/>
+              <a:t>olution</a:t>
+            </a:r>
+            <a:endParaRPr lang="en-US" dirty="0" smtClean="0"/>
+          </a:p>
+          <a:p>
+            <a:r>
+              <a:rPr lang="en-US" dirty="0" smtClean="0"/>
+              <a:t>pip </a:t>
+            </a:r>
+            <a:r>
+              <a:rPr lang="en-US" dirty="0"/>
+              <a:t>install </a:t>
+            </a:r>
+            <a:r>
+              <a:rPr lang="en-US" dirty="0" err="1" smtClean="0"/>
+              <a:t>opencv</a:t>
+            </a:r>
+            <a:r>
+              <a:rPr lang="en-US" dirty="0" smtClean="0"/>
+              <a:t>-python</a:t>
             </a:r>
           </a:p>
           <a:p>
